--- a/Volkswagen_Presentation.pptx
+++ b/Volkswagen_Presentation.pptx
@@ -1369,7 +1369,7 @@
                 <a:cs typeface="Roboto"/>
                 <a:sym typeface="Roboto"/>
               </a:rPr>
-              <a:t>Team Leader</a:t>
+              <a:t>Team Member</a:t>
             </a:r>
             <a:endParaRPr sz="1200" b="1" dirty="0">
               <a:solidFill>
@@ -1404,7 +1404,7 @@
                 <a:cs typeface="Roboto"/>
                 <a:sym typeface="Roboto"/>
               </a:rPr>
-              <a:t>Full Stack Developer</a:t>
+              <a:t>UI/UX Designer</a:t>
             </a:r>
             <a:endParaRPr sz="1200" dirty="0">
               <a:solidFill>
@@ -1527,7 +1527,7 @@
                 <a:cs typeface="Roboto"/>
                 <a:sym typeface="Roboto"/>
               </a:rPr>
-              <a:t>Team Member</a:t>
+              <a:t>Team Leader</a:t>
             </a:r>
             <a:endParaRPr sz="1200" b="1" dirty="0">
               <a:solidFill>
@@ -6011,13 +6011,13 @@
   <p:clrMapOvr>
     <a:masterClrMapping/>
   </p:clrMapOvr>
-  <mc:AlternateContent xmlns:mc="http://schemas.openxmlformats.org/markup-compatibility/2006">
-    <mc:Choice xmlns:p14="http://schemas.microsoft.com/office/powerpoint/2010/main" Requires="p14">
+  <mc:AlternateContent xmlns:mc="http://schemas.openxmlformats.org/markup-compatibility/2006" xmlns:p14="http://schemas.microsoft.com/office/powerpoint/2010/main">
+    <mc:Choice Requires="p14">
       <p:transition spd="slow" p14:dur="3400">
         <p14:reveal/>
       </p:transition>
     </mc:Choice>
-    <mc:Fallback>
+    <mc:Fallback xmlns="">
       <p:transition spd="slow">
         <p:fade/>
       </p:transition>
@@ -7493,13 +7493,13 @@
   <p:clrMapOvr>
     <a:masterClrMapping/>
   </p:clrMapOvr>
-  <mc:AlternateContent xmlns:mc="http://schemas.openxmlformats.org/markup-compatibility/2006">
-    <mc:Choice xmlns:p15="http://schemas.microsoft.com/office/powerpoint/2012/main" Requires="p15">
+  <mc:AlternateContent xmlns:mc="http://schemas.openxmlformats.org/markup-compatibility/2006" xmlns:p15="http://schemas.microsoft.com/office/powerpoint/2012/main">
+    <mc:Choice Requires="p15">
       <p:transition xmlns:p14="http://schemas.microsoft.com/office/powerpoint/2010/main" spd="slow" p14:dur="6000">
         <p15:prstTrans prst="curtains"/>
       </p:transition>
     </mc:Choice>
-    <mc:Fallback>
+    <mc:Fallback xmlns="">
       <p:transition spd="slow">
         <p:fade/>
       </p:transition>
@@ -8119,10 +8119,18 @@
             <a:r>
               <a:rPr lang="en-US" sz="1200" b="1" dirty="0">
                 <a:solidFill>
+                  <a:schemeClr val="bg1"/>
+                </a:solidFill>
+              </a:rPr>
+              <a:t>Electric vehicles (EVs) </a:t>
+            </a:r>
+            <a:r>
+              <a:rPr lang="en-US" sz="1200" b="1" dirty="0">
+                <a:solidFill>
                   <a:srgbClr val="FFDE14"/>
                 </a:solidFill>
               </a:rPr>
-              <a:t>Electric vehicles (EVs) are at the forefront of sustainable transportation. EVs are revolutionizing the transportation sector, offering a sustainable alternative to conventional fossil-fuel-powered vehicles. However, EV adoption is hindered by significant challenges related to </a:t>
+              <a:t>are at the forefront of sustainable transportation. EVs are revolutionizing the transportation sector, offering a sustainable alternative to conventional fossil-fuel-powered vehicles. However, EV adoption is hindered by significant challenges related to </a:t>
             </a:r>
             <a:r>
               <a:rPr lang="en-US" sz="1200" b="1" dirty="0">
@@ -8218,7 +8226,23 @@
                   <a:srgbClr val="FFDE14"/>
                 </a:solidFill>
               </a:rPr>
-              <a:t>. Most systems fail to provide actionable insights or proactive alerts for predictive maintenance and energy optimization. As a result, users are often unaware of how to maximize their EV's potential, leading to </a:t>
+              <a:t>. Most systems </a:t>
+            </a:r>
+            <a:r>
+              <a:rPr lang="en-US" sz="1200" b="1" dirty="0">
+                <a:solidFill>
+                  <a:schemeClr val="bg1"/>
+                </a:solidFill>
+              </a:rPr>
+              <a:t>fail to provide </a:t>
+            </a:r>
+            <a:r>
+              <a:rPr lang="en-US" sz="1200" b="1" dirty="0">
+                <a:solidFill>
+                  <a:srgbClr val="FFDE14"/>
+                </a:solidFill>
+              </a:rPr>
+              <a:t>actionable insights or proactive alerts for predictive maintenance and energy optimization. As a result, users are often unaware of how to maximize their EV's potential, leading to </a:t>
             </a:r>
             <a:r>
               <a:rPr lang="en-US" sz="1200" b="1" dirty="0">
@@ -8387,13 +8411,13 @@
   <p:clrMapOvr>
     <a:masterClrMapping/>
   </p:clrMapOvr>
-  <mc:AlternateContent xmlns:mc="http://schemas.openxmlformats.org/markup-compatibility/2006">
-    <mc:Choice xmlns:p14="http://schemas.microsoft.com/office/powerpoint/2010/main" Requires="p14">
+  <mc:AlternateContent xmlns:mc="http://schemas.openxmlformats.org/markup-compatibility/2006" xmlns:p14="http://schemas.microsoft.com/office/powerpoint/2010/main">
+    <mc:Choice Requires="p14">
       <p:transition spd="med" p14:dur="700">
         <p:fade/>
       </p:transition>
     </mc:Choice>
-    <mc:Fallback>
+    <mc:Fallback xmlns="">
       <p:transition spd="med">
         <p:fade/>
       </p:transition>
@@ -8434,7 +8458,7 @@
         <p:spPr>
           <a:xfrm>
             <a:off x="511628" y="188297"/>
-            <a:ext cx="8120743" cy="3801041"/>
+            <a:ext cx="8120743" cy="4139595"/>
           </a:xfrm>
           <a:prstGeom prst="rect">
             <a:avLst/>
@@ -8466,7 +8490,7 @@
             </a:r>
           </a:p>
           <a:p>
-            <a:endParaRPr lang="en-US" sz="2800" dirty="0">
+            <a:endParaRPr lang="en-US" sz="1000" dirty="0">
               <a:solidFill>
                 <a:schemeClr val="bg1"/>
               </a:solidFill>
@@ -8482,7 +8506,7 @@
           </a:p>
           <a:p>
             <a:r>
-              <a:rPr lang="en-US" sz="1100" b="1" dirty="0">
+              <a:rPr lang="en-US" sz="1200" b="1" dirty="0">
                 <a:solidFill>
                   <a:schemeClr val="bg1"/>
                 </a:solidFill>
@@ -8491,7 +8515,7 @@
               <a:t>BEAM</a:t>
             </a:r>
             <a:r>
-              <a:rPr lang="en-US" sz="1100" b="1" dirty="0">
+              <a:rPr lang="en-US" sz="1200" b="1" dirty="0">
                 <a:solidFill>
                   <a:srgbClr val="FFDE14"/>
                 </a:solidFill>
@@ -8500,7 +8524,7 @@
               <a:t> (Battery Efficient and AI Motor) integrates advanced AI technologies to address the dual challenges of battery efficiency and motor performance in electric vehicles (EVs). At its core, the </a:t>
             </a:r>
             <a:r>
-              <a:rPr lang="en-US" sz="1100" b="1" dirty="0">
+              <a:rPr lang="en-US" sz="1200" b="1" dirty="0">
                 <a:solidFill>
                   <a:schemeClr val="bg1"/>
                 </a:solidFill>
@@ -8509,7 +8533,7 @@
               <a:t>Side Winder Snake Algorithm </a:t>
             </a:r>
             <a:r>
-              <a:rPr lang="en-US" sz="1100" b="1" dirty="0">
+              <a:rPr lang="en-US" sz="1200" b="1" dirty="0">
                 <a:solidFill>
                   <a:srgbClr val="FFDE14"/>
                 </a:solidFill>
@@ -8518,7 +8542,7 @@
               <a:t>optimizes battery usage by dynamically adjusting power output to driving conditions, ensuring minimal energy consumption while extending battery life. Complementing this, </a:t>
             </a:r>
             <a:r>
-              <a:rPr lang="en-US" sz="1100" b="1" dirty="0">
+              <a:rPr lang="en-US" sz="1200" b="1" dirty="0">
                 <a:solidFill>
                   <a:schemeClr val="bg1"/>
                 </a:solidFill>
@@ -8527,7 +8551,7 @@
               <a:t>Proximal Policy Optimization (PPO) </a:t>
             </a:r>
             <a:r>
-              <a:rPr lang="en-US" sz="1100" b="1" dirty="0">
+              <a:rPr lang="en-US" sz="1200" b="1" dirty="0">
                 <a:solidFill>
                   <a:srgbClr val="FFDE14"/>
                 </a:solidFill>
@@ -8537,138 +8561,132 @@
             </a:r>
           </a:p>
           <a:p>
-            <a:endParaRPr lang="en-US" sz="1100" b="1" dirty="0">
-              <a:solidFill>
-                <a:srgbClr val="FFDE14"/>
-              </a:solidFill>
-              <a:latin typeface="Bahnschrift SemiBold" panose="020B0502040204020203" pitchFamily="34" charset="0"/>
-            </a:endParaRPr>
-          </a:p>
-          <a:p>
-            <a:r>
-              <a:rPr lang="en-US" sz="1100" b="1" dirty="0">
-                <a:solidFill>
-                  <a:srgbClr val="FFDE14"/>
-                </a:solidFill>
-                <a:latin typeface="Bahnschrift SemiBold" panose="020B0502040204020203" pitchFamily="34" charset="0"/>
-              </a:rPr>
-              <a:t>A </a:t>
-            </a:r>
-            <a:r>
-              <a:rPr lang="en-US" sz="1100" b="1" dirty="0">
-                <a:solidFill>
-                  <a:schemeClr val="bg1"/>
-                </a:solidFill>
-                <a:latin typeface="Bahnschrift SemiBold" panose="020B0502040204020203" pitchFamily="34" charset="0"/>
-              </a:rPr>
-              <a:t>fine-tuned Large Language Model (LLM) </a:t>
-            </a:r>
-            <a:r>
-              <a:rPr lang="en-US" sz="1100" b="1" dirty="0">
-                <a:solidFill>
-                  <a:srgbClr val="FFDE14"/>
-                </a:solidFill>
-                <a:latin typeface="Bahnschrift SemiBold" panose="020B0502040204020203" pitchFamily="34" charset="0"/>
-              </a:rPr>
-              <a:t>monitors and analyzes real-time sensor data, offering predictive insights for energy optimization and anomaly detection. Through advanced data analysis, BEAM identifies usage patterns, supports predictive maintenance, and generates actionable feedback via a user-friendly interface. Additionally, </a:t>
-            </a:r>
-            <a:r>
-              <a:rPr lang="en-US" sz="1100" b="1" dirty="0">
-                <a:solidFill>
-                  <a:schemeClr val="bg1"/>
-                </a:solidFill>
-                <a:latin typeface="Bahnschrift SemiBold" panose="020B0502040204020203" pitchFamily="34" charset="0"/>
-              </a:rPr>
-              <a:t>Reinforcement Learning </a:t>
-            </a:r>
-            <a:r>
-              <a:rPr lang="en-US" sz="1100" b="1" dirty="0">
-                <a:solidFill>
-                  <a:srgbClr val="FFDE14"/>
-                </a:solidFill>
-                <a:latin typeface="Bahnschrift SemiBold" panose="020B0502040204020203" pitchFamily="34" charset="0"/>
-              </a:rPr>
-              <a:t>enables continuous improvement of energy and performance policies, adapting to changing conditions over time. To enhance user engagement, BEAM employs </a:t>
-            </a:r>
-            <a:r>
-              <a:rPr lang="en-US" sz="1100" b="1" dirty="0">
-                <a:solidFill>
-                  <a:schemeClr val="bg1"/>
-                </a:solidFill>
-                <a:latin typeface="Bahnschrift SemiBold" panose="020B0502040204020203" pitchFamily="34" charset="0"/>
-              </a:rPr>
-              <a:t>TTS (Text-to-Speech) Alerts</a:t>
-            </a:r>
-            <a:r>
-              <a:rPr lang="en-US" sz="1100" b="1" dirty="0">
-                <a:solidFill>
-                  <a:srgbClr val="FFDE14"/>
-                </a:solidFill>
-                <a:latin typeface="Bahnschrift SemiBold" panose="020B0502040204020203" pitchFamily="34" charset="0"/>
-              </a:rPr>
-              <a:t> and </a:t>
-            </a:r>
-            <a:r>
-              <a:rPr lang="en-US" sz="1100" b="1" dirty="0">
-                <a:solidFill>
-                  <a:schemeClr val="bg1"/>
-                </a:solidFill>
-                <a:latin typeface="Bahnschrift SemiBold" panose="020B0502040204020203" pitchFamily="34" charset="0"/>
-              </a:rPr>
-              <a:t>Notifications</a:t>
-            </a:r>
-            <a:r>
-              <a:rPr lang="en-US" sz="1100" b="1" dirty="0">
-                <a:solidFill>
-                  <a:srgbClr val="FFDE14"/>
-                </a:solidFill>
-                <a:latin typeface="Bahnschrift SemiBold" panose="020B0502040204020203" pitchFamily="34" charset="0"/>
-              </a:rPr>
-              <a:t>, delivering real-time voice updates on battery status, performance tips, and maintenance reminders, ensuring drivers remain informed and focused.</a:t>
-            </a:r>
-          </a:p>
-          <a:p>
-            <a:endParaRPr lang="en-US" sz="1100" b="1" dirty="0">
-              <a:solidFill>
-                <a:srgbClr val="FFDE14"/>
-              </a:solidFill>
-              <a:latin typeface="Bahnschrift SemiBold" panose="020B0502040204020203" pitchFamily="34" charset="0"/>
-            </a:endParaRPr>
-          </a:p>
-          <a:p>
-            <a:r>
-              <a:rPr lang="en-US" sz="1100" b="1" dirty="0">
-                <a:solidFill>
-                  <a:srgbClr val="FFDE14"/>
-                </a:solidFill>
-                <a:latin typeface="Bahnschrift SemiBold" panose="020B0502040204020203" pitchFamily="34" charset="0"/>
-              </a:rPr>
-              <a:t>This comprehensive solution not only enhances battery efficiency by up to </a:t>
-            </a:r>
-            <a:r>
-              <a:rPr lang="en-US" sz="1100" b="1" dirty="0">
-                <a:solidFill>
-                  <a:schemeClr val="bg1"/>
-                </a:solidFill>
-                <a:latin typeface="Bahnschrift SemiBold" panose="020B0502040204020203" pitchFamily="34" charset="0"/>
-              </a:rPr>
-              <a:t>30% </a:t>
-            </a:r>
-            <a:r>
-              <a:rPr lang="en-US" sz="1100" b="1" dirty="0">
-                <a:solidFill>
-                  <a:srgbClr val="FFDE14"/>
-                </a:solidFill>
-                <a:latin typeface="Bahnschrift SemiBold" panose="020B0502040204020203" pitchFamily="34" charset="0"/>
-              </a:rPr>
-              <a:t>and extends battery life but also improves overall user experience, setting a new benchmark for sustainable and intelligent EV systems.</a:t>
-            </a:r>
             <a:endParaRPr lang="en-US" sz="1200" b="1" dirty="0">
               <a:solidFill>
                 <a:srgbClr val="FFDE14"/>
               </a:solidFill>
               <a:latin typeface="Bahnschrift SemiBold" panose="020B0502040204020203" pitchFamily="34" charset="0"/>
             </a:endParaRPr>
+          </a:p>
+          <a:p>
+            <a:r>
+              <a:rPr lang="en-US" sz="1200" b="1" dirty="0">
+                <a:solidFill>
+                  <a:srgbClr val="FFDE14"/>
+                </a:solidFill>
+                <a:latin typeface="Bahnschrift SemiBold" panose="020B0502040204020203" pitchFamily="34" charset="0"/>
+              </a:rPr>
+              <a:t>A </a:t>
+            </a:r>
+            <a:r>
+              <a:rPr lang="en-US" sz="1200" b="1" dirty="0">
+                <a:solidFill>
+                  <a:schemeClr val="bg1"/>
+                </a:solidFill>
+                <a:latin typeface="Bahnschrift SemiBold" panose="020B0502040204020203" pitchFamily="34" charset="0"/>
+              </a:rPr>
+              <a:t>fine-tuned Large Language Model (LLM) </a:t>
+            </a:r>
+            <a:r>
+              <a:rPr lang="en-US" sz="1200" b="1" dirty="0">
+                <a:solidFill>
+                  <a:srgbClr val="FFDE14"/>
+                </a:solidFill>
+                <a:latin typeface="Bahnschrift SemiBold" panose="020B0502040204020203" pitchFamily="34" charset="0"/>
+              </a:rPr>
+              <a:t>monitors and analyzes real-time sensor data, offering predictive insights for energy optimization and anomaly detection. Through advanced data analysis, BEAM identifies usage patterns, supports predictive maintenance, and generates actionable feedback via a user-friendly interface. Additionally, </a:t>
+            </a:r>
+            <a:r>
+              <a:rPr lang="en-US" sz="1200" b="1" dirty="0">
+                <a:solidFill>
+                  <a:schemeClr val="bg1"/>
+                </a:solidFill>
+                <a:latin typeface="Bahnschrift SemiBold" panose="020B0502040204020203" pitchFamily="34" charset="0"/>
+              </a:rPr>
+              <a:t>Reinforcement Learning </a:t>
+            </a:r>
+            <a:r>
+              <a:rPr lang="en-US" sz="1200" b="1" dirty="0">
+                <a:solidFill>
+                  <a:srgbClr val="FFDE14"/>
+                </a:solidFill>
+                <a:latin typeface="Bahnschrift SemiBold" panose="020B0502040204020203" pitchFamily="34" charset="0"/>
+              </a:rPr>
+              <a:t>enables continuous improvement of energy and performance policies, adapting to changing conditions over time. To enhance user engagement, BEAM employs </a:t>
+            </a:r>
+            <a:r>
+              <a:rPr lang="en-US" sz="1200" b="1" dirty="0">
+                <a:solidFill>
+                  <a:schemeClr val="bg1"/>
+                </a:solidFill>
+                <a:latin typeface="Bahnschrift SemiBold" panose="020B0502040204020203" pitchFamily="34" charset="0"/>
+              </a:rPr>
+              <a:t>TTS (Text-to-Speech) Alerts</a:t>
+            </a:r>
+            <a:r>
+              <a:rPr lang="en-US" sz="1200" b="1" dirty="0">
+                <a:solidFill>
+                  <a:srgbClr val="FFDE14"/>
+                </a:solidFill>
+                <a:latin typeface="Bahnschrift SemiBold" panose="020B0502040204020203" pitchFamily="34" charset="0"/>
+              </a:rPr>
+              <a:t> and </a:t>
+            </a:r>
+            <a:r>
+              <a:rPr lang="en-US" sz="1200" b="1" dirty="0">
+                <a:solidFill>
+                  <a:schemeClr val="bg1"/>
+                </a:solidFill>
+                <a:latin typeface="Bahnschrift SemiBold" panose="020B0502040204020203" pitchFamily="34" charset="0"/>
+              </a:rPr>
+              <a:t>Notifications</a:t>
+            </a:r>
+            <a:r>
+              <a:rPr lang="en-US" sz="1200" b="1" dirty="0">
+                <a:solidFill>
+                  <a:srgbClr val="FFDE14"/>
+                </a:solidFill>
+                <a:latin typeface="Bahnschrift SemiBold" panose="020B0502040204020203" pitchFamily="34" charset="0"/>
+              </a:rPr>
+              <a:t>, delivering real-time voice updates on battery status, performance tips, and maintenance reminders, ensuring drivers remain informed and focused.</a:t>
+            </a:r>
+          </a:p>
+          <a:p>
+            <a:endParaRPr lang="en-US" sz="1200" b="1" dirty="0">
+              <a:solidFill>
+                <a:srgbClr val="FFDE14"/>
+              </a:solidFill>
+              <a:latin typeface="Bahnschrift SemiBold" panose="020B0502040204020203" pitchFamily="34" charset="0"/>
+            </a:endParaRPr>
+          </a:p>
+          <a:p>
+            <a:r>
+              <a:rPr lang="en-US" sz="1200" b="1" dirty="0">
+                <a:solidFill>
+                  <a:srgbClr val="FFDE14"/>
+                </a:solidFill>
+                <a:latin typeface="Bahnschrift SemiBold" panose="020B0502040204020203" pitchFamily="34" charset="0"/>
+              </a:rPr>
+              <a:t>This comprehensive solution not only enhances battery efficiency by up to </a:t>
+            </a:r>
+            <a:r>
+              <a:rPr lang="en-US" sz="1200" b="1" dirty="0">
+                <a:solidFill>
+                  <a:schemeClr val="bg1"/>
+                </a:solidFill>
+                <a:latin typeface="Bahnschrift SemiBold" panose="020B0502040204020203" pitchFamily="34" charset="0"/>
+              </a:rPr>
+              <a:t>30% </a:t>
+            </a:r>
+            <a:r>
+              <a:rPr lang="en-US" sz="1200" b="1" dirty="0">
+                <a:solidFill>
+                  <a:srgbClr val="FFDE14"/>
+                </a:solidFill>
+                <a:latin typeface="Bahnschrift SemiBold" panose="020B0502040204020203" pitchFamily="34" charset="0"/>
+              </a:rPr>
+              <a:t>and extends battery life but also improves overall user experience, setting a new benchmark for sustainable and intelligent EV systems.</a:t>
+            </a:r>
           </a:p>
         </p:txBody>
       </p:sp>
@@ -8712,13 +8730,13 @@
   <p:clrMapOvr>
     <a:masterClrMapping/>
   </p:clrMapOvr>
-  <mc:AlternateContent xmlns:mc="http://schemas.openxmlformats.org/markup-compatibility/2006">
-    <mc:Choice xmlns:p14="http://schemas.microsoft.com/office/powerpoint/2010/main" Requires="p14">
+  <mc:AlternateContent xmlns:mc="http://schemas.openxmlformats.org/markup-compatibility/2006" xmlns:p14="http://schemas.microsoft.com/office/powerpoint/2010/main">
+    <mc:Choice Requires="p14">
       <p:transition spd="slow" p14:dur="1600">
         <p:blinds dir="vert"/>
       </p:transition>
     </mc:Choice>
-    <mc:Fallback>
+    <mc:Fallback xmlns="">
       <p:transition spd="slow">
         <p:blinds dir="vert"/>
       </p:transition>
@@ -8759,7 +8777,7 @@
         <p:spPr>
           <a:xfrm>
             <a:off x="435429" y="195943"/>
-            <a:ext cx="8135257" cy="4001095"/>
+            <a:ext cx="8135257" cy="4031873"/>
           </a:xfrm>
           <a:prstGeom prst="rect">
             <a:avLst/>
@@ -8807,7 +8825,7 @@
                 </a:solidFill>
                 <a:latin typeface="Bahnschrift SemiBold" panose="020B0502040204020203" pitchFamily="34" charset="0"/>
               </a:rPr>
-              <a:t>The Side Winder Snake Algorithm is a metaheuristic optimization technique designed to maximize battery efficiency in electric vehicles. Inspired by the lateral movements of a snake, the algorithm dynamically adjusts power output by analyzing real-time driving conditions such as terrain, speed, and load. It ensures optimal energy distribution across vehicle components, reducing wastage and enhancing battery life. By prioritizing energy-efficient paths and adapting to changing scenarios, this algorithm significantly extends the vehicle’s range while maintaining seamless performance, especially in urban stop-and-go traffic or uneven terrains.</a:t>
+              <a:t>The Side Winder Snake Algorithm is a metaheuristic optimization technique designed to maximize battery efficiency in electric vehicles. Inspired by the wave-like movements of a snake, the algorithm dynamically adjusts power output by analyzing real-time driving conditions such as terrain, speed, and load. It ensures optimal energy distribution across vehicle components, reducing wastage and enhancing battery life. By prioritizing energy-efficient paths and adapting to changing scenarios, this algorithm significantly extends the vehicle’s range while maintaining seamless performance, especially in urban stop-and-go traffic or uneven terrains.</a:t>
             </a:r>
           </a:p>
           <a:p>
@@ -10315,7 +10333,7 @@
                 <a:latin typeface="Bahnschrift SemiBold" panose="020B0502040204020203" pitchFamily="34" charset="0"/>
               </a:rPr>
             </a:br>
-            <a:endParaRPr lang="en-US" sz="1200" dirty="0">
+            <a:endParaRPr lang="en-US" sz="800" dirty="0">
               <a:solidFill>
                 <a:srgbClr val="FFDE14"/>
               </a:solidFill>
